--- a/스크립트 언어 텀프로젝트 최종발표.pptx
+++ b/스크립트 언어 텀프로젝트 최종발표.pptx
@@ -213,7 +213,7 @@
           <a:p>
             <a:fld id="{6D06EA7A-3516-413E-A89F-105DDB37F379}" type="datetimeFigureOut">
               <a:rPr lang="ko-KR" altLang="en-US" smtClean="0"/>
-              <a:t>2016-06-14</a:t>
+              <a:t>2016-06-16</a:t>
             </a:fld>
             <a:endParaRPr lang="ko-KR" altLang="en-US"/>
           </a:p>
@@ -1181,7 +1181,7 @@
           <a:p>
             <a:fld id="{5B6E5234-A56D-40CC-89A1-13ED9E086532}" type="datetimeFigureOut">
               <a:rPr lang="ko-KR" altLang="en-US" smtClean="0"/>
-              <a:t>2016-06-14</a:t>
+              <a:t>2016-06-16</a:t>
             </a:fld>
             <a:endParaRPr lang="ko-KR" altLang="en-US"/>
           </a:p>
@@ -1371,7 +1371,7 @@
           <a:p>
             <a:fld id="{5B6E5234-A56D-40CC-89A1-13ED9E086532}" type="datetimeFigureOut">
               <a:rPr lang="ko-KR" altLang="en-US" smtClean="0"/>
-              <a:t>2016-06-14</a:t>
+              <a:t>2016-06-16</a:t>
             </a:fld>
             <a:endParaRPr lang="ko-KR" altLang="en-US"/>
           </a:p>
@@ -1546,7 +1546,7 @@
           <a:p>
             <a:fld id="{5B6E5234-A56D-40CC-89A1-13ED9E086532}" type="datetimeFigureOut">
               <a:rPr lang="ko-KR" altLang="en-US" smtClean="0"/>
-              <a:t>2016-06-14</a:t>
+              <a:t>2016-06-16</a:t>
             </a:fld>
             <a:endParaRPr lang="ko-KR" altLang="en-US"/>
           </a:p>
@@ -1688,7 +1688,7 @@
           <a:p>
             <a:fld id="{5B6E5234-A56D-40CC-89A1-13ED9E086532}" type="datetimeFigureOut">
               <a:rPr lang="ko-KR" altLang="en-US" smtClean="0"/>
-              <a:t>2016-06-14</a:t>
+              <a:t>2016-06-16</a:t>
             </a:fld>
             <a:endParaRPr lang="ko-KR" altLang="en-US"/>
           </a:p>
@@ -1935,7 +1935,7 @@
           <a:p>
             <a:fld id="{5B6E5234-A56D-40CC-89A1-13ED9E086532}" type="datetimeFigureOut">
               <a:rPr lang="ko-KR" altLang="en-US" smtClean="0"/>
-              <a:t>2016-06-14</a:t>
+              <a:t>2016-06-16</a:t>
             </a:fld>
             <a:endParaRPr lang="ko-KR" altLang="en-US"/>
           </a:p>
@@ -2334,7 +2334,7 @@
           <a:p>
             <a:fld id="{5B6E5234-A56D-40CC-89A1-13ED9E086532}" type="datetimeFigureOut">
               <a:rPr lang="ko-KR" altLang="en-US" smtClean="0"/>
-              <a:t>2016-06-14</a:t>
+              <a:t>2016-06-16</a:t>
             </a:fld>
             <a:endParaRPr lang="ko-KR" altLang="en-US"/>
           </a:p>
@@ -2772,7 +2772,7 @@
           <a:p>
             <a:fld id="{5B6E5234-A56D-40CC-89A1-13ED9E086532}" type="datetimeFigureOut">
               <a:rPr lang="ko-KR" altLang="en-US" smtClean="0"/>
-              <a:t>2016-06-14</a:t>
+              <a:t>2016-06-16</a:t>
             </a:fld>
             <a:endParaRPr lang="ko-KR" altLang="en-US"/>
           </a:p>
@@ -2867,7 +2867,7 @@
           <a:p>
             <a:fld id="{5B6E5234-A56D-40CC-89A1-13ED9E086532}" type="datetimeFigureOut">
               <a:rPr lang="ko-KR" altLang="en-US" smtClean="0"/>
-              <a:t>2016-06-14</a:t>
+              <a:t>2016-06-16</a:t>
             </a:fld>
             <a:endParaRPr lang="ko-KR" altLang="en-US"/>
           </a:p>
@@ -2980,7 +2980,7 @@
           <a:p>
             <a:fld id="{5B6E5234-A56D-40CC-89A1-13ED9E086532}" type="datetimeFigureOut">
               <a:rPr lang="ko-KR" altLang="en-US" smtClean="0"/>
-              <a:t>2016-06-14</a:t>
+              <a:t>2016-06-16</a:t>
             </a:fld>
             <a:endParaRPr lang="ko-KR" altLang="en-US"/>
           </a:p>
@@ -3248,7 +3248,7 @@
           <a:p>
             <a:fld id="{5B6E5234-A56D-40CC-89A1-13ED9E086532}" type="datetimeFigureOut">
               <a:rPr lang="ko-KR" altLang="en-US" smtClean="0"/>
-              <a:t>2016-06-14</a:t>
+              <a:t>2016-06-16</a:t>
             </a:fld>
             <a:endParaRPr lang="ko-KR" altLang="en-US"/>
           </a:p>
@@ -3449,7 +3449,7 @@
           <a:p>
             <a:fld id="{5B6E5234-A56D-40CC-89A1-13ED9E086532}" type="datetimeFigureOut">
               <a:rPr lang="ko-KR" altLang="en-US" smtClean="0"/>
-              <a:t>2016-06-14</a:t>
+              <a:t>2016-06-16</a:t>
             </a:fld>
             <a:endParaRPr lang="ko-KR" altLang="en-US"/>
           </a:p>
@@ -4538,7 +4538,7 @@
           <a:p>
             <a:fld id="{5B6E5234-A56D-40CC-89A1-13ED9E086532}" type="datetimeFigureOut">
               <a:rPr lang="ko-KR" altLang="en-US" smtClean="0"/>
-              <a:t>2016-06-14</a:t>
+              <a:t>2016-06-16</a:t>
             </a:fld>
             <a:endParaRPr lang="ko-KR" altLang="en-US"/>
           </a:p>
@@ -4968,6 +4968,10 @@
               <a:rPr lang="ko-KR" altLang="en-US" dirty="0" err="1"/>
               <a:t>텀프로젝트</a:t>
             </a:r>
+            <a:r>
+              <a:rPr lang="en-US" altLang="ko-KR" dirty="0"/>
+              <a:t/>
+            </a:r>
             <a:br>
               <a:rPr lang="en-US" altLang="ko-KR" dirty="0"/>
             </a:br>
@@ -5028,6 +5032,13 @@
   <p:clrMapOvr>
     <a:masterClrMapping/>
   </p:clrMapOvr>
+  <p:timing>
+    <p:tnLst>
+      <p:par>
+        <p:cTn id="1" dur="indefinite" restart="never" nodeType="tmRoot"/>
+      </p:par>
+    </p:tnLst>
+  </p:timing>
 </p:sld>
 </file>
 
@@ -5058,7 +5069,7 @@
             <p:ph idx="1"/>
             <p:extLst>
               <p:ext uri="{D42A27DB-BD31-4B8C-83A1-F6EECF244321}">
-                <p14:modId xmlns:p14="http://schemas.microsoft.com/office/powerpoint/2010/main" val="491721238"/>
+                <p14:modId xmlns:p14="http://schemas.microsoft.com/office/powerpoint/2010/main" val="3579759528"/>
               </p:ext>
             </p:extLst>
           </p:nvPr>
@@ -5115,12 +5126,16 @@
                         <a:t>엄마</a:t>
                       </a:r>
                       <a:r>
-                        <a:rPr lang="en-US" altLang="ko-KR" dirty="0"/>
-                        <a:t>,</a:t>
+                        <a:rPr lang="en-US" altLang="ko-KR" dirty="0" smtClean="0"/>
+                        <a:t>, </a:t>
+                      </a:r>
+                      <a:r>
+                        <a:rPr lang="ko-KR" altLang="en-US" dirty="0" smtClean="0"/>
+                        <a:t>휴게소 </a:t>
                       </a:r>
                       <a:r>
                         <a:rPr lang="ko-KR" altLang="en-US" dirty="0"/>
-                        <a:t>휴게소 뭐가 맛있어</a:t>
+                        <a:t>뭐가 맛있어</a:t>
                       </a:r>
                       <a:r>
                         <a:rPr lang="en-US" altLang="ko-KR" dirty="0"/>
@@ -5318,6 +5333,13 @@
   <p:clrMapOvr>
     <a:masterClrMapping/>
   </p:clrMapOvr>
+  <p:timing>
+    <p:tnLst>
+      <p:par>
+        <p:cTn id="1" dur="indefinite" restart="never" nodeType="tmRoot"/>
+      </p:par>
+    </p:tnLst>
+  </p:timing>
 </p:sld>
 </file>
 
@@ -5375,12 +5397,20 @@
           <a:p>
             <a:pPr lvl="1"/>
             <a:r>
-              <a:rPr lang="ko-KR" altLang="en-US" dirty="0" err="1"/>
-              <a:t>경로별</a:t>
+              <a:rPr lang="ko-KR" altLang="en-US" dirty="0" err="1" smtClean="0"/>
+              <a:t>노선</a:t>
+            </a:r>
+            <a:r>
+              <a:rPr lang="ko-KR" altLang="en-US" dirty="0" err="1" smtClean="0"/>
+              <a:t>별</a:t>
+            </a:r>
+            <a:r>
+              <a:rPr lang="ko-KR" altLang="en-US" dirty="0" smtClean="0"/>
+              <a:t> </a:t>
             </a:r>
             <a:r>
               <a:rPr lang="ko-KR" altLang="en-US" dirty="0"/>
-              <a:t> 검색기능</a:t>
+              <a:t>검색기능</a:t>
             </a:r>
             <a:endParaRPr lang="en-US" altLang="ko-KR" dirty="0"/>
           </a:p>
@@ -5531,6 +5561,13 @@
   <p:clrMapOvr>
     <a:masterClrMapping/>
   </p:clrMapOvr>
+  <p:timing>
+    <p:tnLst>
+      <p:par>
+        <p:cTn id="1" dur="indefinite" restart="never" nodeType="tmRoot"/>
+      </p:par>
+    </p:tnLst>
+  </p:timing>
 </p:sld>
 </file>
 
@@ -6194,6 +6231,13 @@
   <p:clrMapOvr>
     <a:masterClrMapping/>
   </p:clrMapOvr>
+  <p:timing>
+    <p:tnLst>
+      <p:par>
+        <p:cTn id="1" dur="indefinite" restart="never" nodeType="tmRoot"/>
+      </p:par>
+    </p:tnLst>
+  </p:timing>
 </p:sld>
 </file>
 
@@ -6385,6 +6429,13 @@
   <p:clrMapOvr>
     <a:masterClrMapping/>
   </p:clrMapOvr>
+  <p:timing>
+    <p:tnLst>
+      <p:par>
+        <p:cTn id="1" dur="indefinite" restart="never" nodeType="tmRoot"/>
+      </p:par>
+    </p:tnLst>
+  </p:timing>
 </p:sld>
 </file>
 
@@ -6407,233 +6458,6 @@
       </p:grpSpPr>
       <p:sp>
         <p:nvSpPr>
-          <p:cNvPr id="2" name="내용 개체 틀 1"/>
-          <p:cNvSpPr>
-            <a:spLocks noGrp="1"/>
-          </p:cNvSpPr>
-          <p:nvPr>
-            <p:ph idx="1"/>
-          </p:nvPr>
-        </p:nvSpPr>
-        <p:spPr/>
-        <p:txBody>
-          <a:bodyPr>
-            <a:normAutofit fontScale="92500" lnSpcReduction="10000"/>
-          </a:bodyPr>
-          <a:lstStyle/>
-          <a:p>
-            <a:r>
-              <a:rPr lang="ko-KR" altLang="en-US" dirty="0" err="1"/>
-              <a:t>발표시</a:t>
-            </a:r>
-            <a:r>
-              <a:rPr lang="ko-KR" altLang="en-US" dirty="0"/>
-              <a:t> 이 텍스트는 </a:t>
-            </a:r>
-            <a:r>
-              <a:rPr lang="ko-KR" altLang="en-US" dirty="0" err="1"/>
-              <a:t>지우시오</a:t>
-            </a:r>
-            <a:endParaRPr lang="en-US" altLang="ko-KR" dirty="0"/>
-          </a:p>
-          <a:p>
-            <a:r>
-              <a:rPr lang="ko-KR" altLang="en-US" dirty="0" err="1"/>
-              <a:t>시연시</a:t>
-            </a:r>
-            <a:r>
-              <a:rPr lang="ko-KR" altLang="en-US" dirty="0"/>
-              <a:t> </a:t>
-            </a:r>
-            <a:r>
-              <a:rPr lang="ko-KR" altLang="en-US" dirty="0" err="1"/>
-              <a:t>하는것</a:t>
-            </a:r>
-            <a:endParaRPr lang="en-US" altLang="ko-KR" dirty="0"/>
-          </a:p>
-          <a:p>
-            <a:r>
-              <a:rPr lang="en-US" altLang="ko-KR" dirty="0"/>
-              <a:t>1. </a:t>
-            </a:r>
-            <a:r>
-              <a:rPr lang="ko-KR" altLang="en-US" dirty="0"/>
-              <a:t>경로로 </a:t>
-            </a:r>
-            <a:r>
-              <a:rPr lang="en-US" altLang="ko-KR" dirty="0"/>
-              <a:t>‘</a:t>
-            </a:r>
-            <a:r>
-              <a:rPr lang="ko-KR" altLang="en-US" dirty="0"/>
-              <a:t>경부</a:t>
-            </a:r>
-            <a:r>
-              <a:rPr lang="en-US" altLang="ko-KR" dirty="0"/>
-              <a:t>’ </a:t>
-            </a:r>
-            <a:r>
-              <a:rPr lang="ko-KR" altLang="en-US" dirty="0"/>
-              <a:t>검색</a:t>
-            </a:r>
-            <a:endParaRPr lang="en-US" altLang="ko-KR" dirty="0"/>
-          </a:p>
-          <a:p>
-            <a:r>
-              <a:rPr lang="en-US" altLang="ko-KR" dirty="0"/>
-              <a:t>2. </a:t>
-            </a:r>
-            <a:r>
-              <a:rPr lang="ko-KR" altLang="en-US" dirty="0"/>
-              <a:t>경로에 나온 리스트로 </a:t>
-            </a:r>
-            <a:r>
-              <a:rPr lang="ko-KR" altLang="en-US" dirty="0" err="1"/>
-              <a:t>잘나오는것을</a:t>
-            </a:r>
-            <a:r>
-              <a:rPr lang="ko-KR" altLang="en-US" dirty="0"/>
-              <a:t> </a:t>
-            </a:r>
-            <a:r>
-              <a:rPr lang="en-US" altLang="ko-KR" dirty="0"/>
-              <a:t>3-4</a:t>
-            </a:r>
-            <a:r>
-              <a:rPr lang="ko-KR" altLang="en-US" dirty="0"/>
-              <a:t>개 보여주면서 설명</a:t>
-            </a:r>
-            <a:endParaRPr lang="en-US" altLang="ko-KR" dirty="0"/>
-          </a:p>
-          <a:p>
-            <a:r>
-              <a:rPr lang="en-US" altLang="ko-KR" dirty="0"/>
-              <a:t>3. </a:t>
-            </a:r>
-            <a:r>
-              <a:rPr lang="ko-KR" altLang="en-US" dirty="0"/>
-              <a:t>휴게소로 </a:t>
-            </a:r>
-            <a:r>
-              <a:rPr lang="en-US" altLang="ko-KR" dirty="0"/>
-              <a:t>‘</a:t>
-            </a:r>
-            <a:r>
-              <a:rPr lang="ko-KR" altLang="en-US" dirty="0"/>
-              <a:t>옥천</a:t>
-            </a:r>
-            <a:r>
-              <a:rPr lang="en-US" altLang="ko-KR" dirty="0"/>
-              <a:t>’ </a:t>
-            </a:r>
-            <a:r>
-              <a:rPr lang="ko-KR" altLang="en-US" dirty="0"/>
-              <a:t>검색</a:t>
-            </a:r>
-            <a:endParaRPr lang="en-US" altLang="ko-KR" dirty="0"/>
-          </a:p>
-          <a:p>
-            <a:r>
-              <a:rPr lang="en-US" altLang="ko-KR" dirty="0"/>
-              <a:t>4. </a:t>
-            </a:r>
-            <a:r>
-              <a:rPr lang="ko-KR" altLang="en-US" dirty="0"/>
-              <a:t>옥천 </a:t>
-            </a:r>
-            <a:r>
-              <a:rPr lang="en-US" altLang="ko-KR" dirty="0"/>
-              <a:t>2</a:t>
-            </a:r>
-            <a:r>
-              <a:rPr lang="ko-KR" altLang="en-US" dirty="0"/>
-              <a:t>개가 저장이 되어 </a:t>
-            </a:r>
-            <a:r>
-              <a:rPr lang="ko-KR" altLang="en-US" dirty="0" err="1"/>
-              <a:t>잘나오는것을</a:t>
-            </a:r>
-            <a:r>
-              <a:rPr lang="ko-KR" altLang="en-US" dirty="0"/>
-              <a:t> 보여줌</a:t>
-            </a:r>
-            <a:endParaRPr lang="en-US" altLang="ko-KR" dirty="0"/>
-          </a:p>
-          <a:p>
-            <a:r>
-              <a:rPr lang="en-US" altLang="ko-KR" dirty="0"/>
-              <a:t>5. </a:t>
-            </a:r>
-            <a:r>
-              <a:rPr lang="ko-KR" altLang="en-US" dirty="0"/>
-              <a:t>지도보기로 </a:t>
-            </a:r>
-            <a:r>
-              <a:rPr lang="en-US" altLang="ko-KR" dirty="0"/>
-              <a:t>‘</a:t>
-            </a:r>
-            <a:r>
-              <a:rPr lang="ko-KR" altLang="en-US" dirty="0"/>
-              <a:t>너가 생각나는 휴게소 검색</a:t>
-            </a:r>
-            <a:r>
-              <a:rPr lang="en-US" altLang="ko-KR" dirty="0"/>
-              <a:t>‘</a:t>
-            </a:r>
-          </a:p>
-          <a:p>
-            <a:r>
-              <a:rPr lang="en-US" altLang="ko-KR" dirty="0"/>
-              <a:t>6. </a:t>
-            </a:r>
-            <a:r>
-              <a:rPr lang="ko-KR" altLang="en-US" dirty="0"/>
-              <a:t>지도를 확대한 크기를 조절하여 </a:t>
-            </a:r>
-            <a:r>
-              <a:rPr lang="ko-KR" altLang="en-US" dirty="0" err="1"/>
-              <a:t>잘나오는거</a:t>
-            </a:r>
-            <a:r>
-              <a:rPr lang="ko-KR" altLang="en-US" dirty="0"/>
-              <a:t> 보여줌</a:t>
-            </a:r>
-            <a:endParaRPr lang="en-US" altLang="ko-KR" dirty="0"/>
-          </a:p>
-          <a:p>
-            <a:r>
-              <a:rPr lang="ko-KR" altLang="en-US" dirty="0"/>
-              <a:t>위의 내용을 </a:t>
-            </a:r>
-            <a:r>
-              <a:rPr lang="en-US" altLang="ko-KR" dirty="0"/>
-              <a:t>2</a:t>
-            </a:r>
-            <a:r>
-              <a:rPr lang="ko-KR" altLang="en-US" dirty="0" err="1"/>
-              <a:t>분정도</a:t>
-            </a:r>
-            <a:r>
-              <a:rPr lang="ko-KR" altLang="en-US" dirty="0"/>
-              <a:t> 소비해서 넉넉하게 </a:t>
-            </a:r>
-            <a:r>
-              <a:rPr lang="ko-KR" altLang="en-US" dirty="0" err="1"/>
-              <a:t>설명하는걸</a:t>
-            </a:r>
-            <a:r>
-              <a:rPr lang="ko-KR" altLang="en-US" dirty="0"/>
-              <a:t> 권장</a:t>
-            </a:r>
-            <a:r>
-              <a:rPr lang="en-US" altLang="ko-KR"/>
-              <a:t>.</a:t>
-            </a:r>
-          </a:p>
-        </p:txBody>
-      </p:sp>
-      <p:sp>
-        <p:nvSpPr>
           <p:cNvPr id="3" name="제목 2"/>
           <p:cNvSpPr>
             <a:spLocks noGrp="1"/>
@@ -6664,6 +6488,13 @@
   <p:clrMapOvr>
     <a:masterClrMapping/>
   </p:clrMapOvr>
+  <p:timing>
+    <p:tnLst>
+      <p:par>
+        <p:cTn id="1" dur="indefinite" restart="never" nodeType="tmRoot"/>
+      </p:par>
+    </p:tnLst>
+  </p:timing>
 </p:sld>
 </file>
 
